--- a/Task Parallel Library.pptx
+++ b/Task Parallel Library.pptx
@@ -35,6 +35,7 @@
     <p:sldId id="291" r:id="rId29"/>
     <p:sldId id="279" r:id="rId30"/>
     <p:sldId id="277" r:id="rId31"/>
+    <p:sldId id="294" r:id="rId32"/>
   </p:sldIdLst>
   <p:sldSz cx="9144000" cy="6858000" type="screen4x3"/>
   <p:notesSz cx="6858000" cy="9144000"/>
@@ -194,7 +195,7 @@
             <a:fld id="{A6E1DDAD-5252-C048-A5F8-1776C8665A85}" type="datetimeFigureOut">
               <a:rPr lang="en-GB" smtClean="0"/>
               <a:pPr/>
-              <a:t>6/14/10</a:t>
+              <a:t>6/16/10</a:t>
             </a:fld>
             <a:endParaRPr lang="en-GB"/>
           </a:p>
@@ -524,7 +525,7 @@
             <a:fld id="{A6E1DDAD-5252-C048-A5F8-1776C8665A85}" type="datetimeFigureOut">
               <a:rPr lang="en-GB" smtClean="0"/>
               <a:pPr/>
-              <a:t>6/14/10</a:t>
+              <a:t>6/16/10</a:t>
             </a:fld>
             <a:endParaRPr lang="en-GB"/>
           </a:p>
@@ -804,7 +805,7 @@
             <a:fld id="{A6E1DDAD-5252-C048-A5F8-1776C8665A85}" type="datetimeFigureOut">
               <a:rPr lang="en-GB" smtClean="0"/>
               <a:pPr/>
-              <a:t>6/14/10</a:t>
+              <a:t>6/16/10</a:t>
             </a:fld>
             <a:endParaRPr lang="en-GB"/>
           </a:p>
@@ -1064,7 +1065,7 @@
             <a:fld id="{A6E1DDAD-5252-C048-A5F8-1776C8665A85}" type="datetimeFigureOut">
               <a:rPr lang="en-GB" smtClean="0"/>
               <a:pPr/>
-              <a:t>6/14/10</a:t>
+              <a:t>6/16/10</a:t>
             </a:fld>
             <a:endParaRPr lang="en-GB"/>
           </a:p>
@@ -1239,7 +1240,7 @@
             <a:fld id="{A6E1DDAD-5252-C048-A5F8-1776C8665A85}" type="datetimeFigureOut">
               <a:rPr lang="en-GB" smtClean="0"/>
               <a:pPr/>
-              <a:t>6/14/10</a:t>
+              <a:t>6/16/10</a:t>
             </a:fld>
             <a:endParaRPr lang="en-GB"/>
           </a:p>
@@ -1419,7 +1420,7 @@
             <a:fld id="{A6E1DDAD-5252-C048-A5F8-1776C8665A85}" type="datetimeFigureOut">
               <a:rPr lang="en-GB" smtClean="0"/>
               <a:pPr/>
-              <a:t>6/14/10</a:t>
+              <a:t>6/16/10</a:t>
             </a:fld>
             <a:endParaRPr lang="en-GB"/>
           </a:p>
@@ -1661,7 +1662,7 @@
             <a:fld id="{A6E1DDAD-5252-C048-A5F8-1776C8665A85}" type="datetimeFigureOut">
               <a:rPr lang="en-GB" smtClean="0"/>
               <a:pPr/>
-              <a:t>6/14/10</a:t>
+              <a:t>6/16/10</a:t>
             </a:fld>
             <a:endParaRPr lang="en-GB"/>
           </a:p>
@@ -1847,7 +1848,7 @@
             <a:fld id="{A6E1DDAD-5252-C048-A5F8-1776C8665A85}" type="datetimeFigureOut">
               <a:rPr lang="en-GB" smtClean="0"/>
               <a:pPr/>
-              <a:t>6/14/10</a:t>
+              <a:t>6/16/10</a:t>
             </a:fld>
             <a:endParaRPr lang="en-GB"/>
           </a:p>
@@ -2100,7 +2101,7 @@
             <a:fld id="{A6E1DDAD-5252-C048-A5F8-1776C8665A85}" type="datetimeFigureOut">
               <a:rPr lang="en-GB" smtClean="0"/>
               <a:pPr/>
-              <a:t>6/14/10</a:t>
+              <a:t>6/16/10</a:t>
             </a:fld>
             <a:endParaRPr lang="en-GB"/>
           </a:p>
@@ -2353,7 +2354,7 @@
             <a:fld id="{A6E1DDAD-5252-C048-A5F8-1776C8665A85}" type="datetimeFigureOut">
               <a:rPr lang="en-GB" smtClean="0"/>
               <a:pPr/>
-              <a:t>6/14/10</a:t>
+              <a:t>6/16/10</a:t>
             </a:fld>
             <a:endParaRPr lang="en-GB"/>
           </a:p>
@@ -2508,7 +2509,7 @@
             <a:fld id="{A6E1DDAD-5252-C048-A5F8-1776C8665A85}" type="datetimeFigureOut">
               <a:rPr lang="en-GB" smtClean="0"/>
               <a:pPr/>
-              <a:t>6/14/10</a:t>
+              <a:t>6/16/10</a:t>
             </a:fld>
             <a:endParaRPr lang="en-GB"/>
           </a:p>
@@ -2799,7 +2800,7 @@
             <a:fld id="{A6E1DDAD-5252-C048-A5F8-1776C8665A85}" type="datetimeFigureOut">
               <a:rPr lang="en-GB" smtClean="0"/>
               <a:pPr/>
-              <a:t>6/14/10</a:t>
+              <a:t>6/16/10</a:t>
             </a:fld>
             <a:endParaRPr lang="en-GB"/>
           </a:p>
@@ -3230,7 +3231,7 @@
             <a:fld id="{A6E1DDAD-5252-C048-A5F8-1776C8665A85}" type="datetimeFigureOut">
               <a:rPr lang="en-GB" smtClean="0"/>
               <a:pPr/>
-              <a:t>6/14/10</a:t>
+              <a:t>6/16/10</a:t>
             </a:fld>
             <a:endParaRPr lang="en-GB"/>
           </a:p>
@@ -3355,7 +3356,7 @@
             <a:fld id="{A6E1DDAD-5252-C048-A5F8-1776C8665A85}" type="datetimeFigureOut">
               <a:rPr lang="en-GB" smtClean="0"/>
               <a:pPr/>
-              <a:t>6/14/10</a:t>
+              <a:t>6/16/10</a:t>
             </a:fld>
             <a:endParaRPr lang="en-GB"/>
           </a:p>
@@ -3512,7 +3513,7 @@
             <a:fld id="{A6E1DDAD-5252-C048-A5F8-1776C8665A85}" type="datetimeFigureOut">
               <a:rPr lang="en-GB" smtClean="0"/>
               <a:pPr/>
-              <a:t>6/14/10</a:t>
+              <a:t>6/16/10</a:t>
             </a:fld>
             <a:endParaRPr lang="en-GB"/>
           </a:p>
@@ -6317,15 +6318,7 @@
                   <a:schemeClr val="bg1"/>
                 </a:solidFill>
               </a:rPr>
-              <a:t>github.com/srstrong</a:t>
-            </a:r>
-            <a:r>
-              <a:rPr lang="en-US" sz="3200" dirty="0" err="1" smtClean="0">
-                <a:solidFill>
-                  <a:schemeClr val="bg1"/>
-                </a:solidFill>
-              </a:rPr>
-              <a:t>/NDC</a:t>
+              <a:t>github.com/srstrong/NDC</a:t>
             </a:r>
             <a:r>
               <a:rPr lang="en-US" sz="3200" smtClean="0">
@@ -6437,16 +6430,13 @@
           <a:p>
             <a:r>
               <a:rPr lang="en-GB" dirty="0" smtClean="0"/>
-              <a:t>The Task class forms the basis for, you guessed it, Task parallelism</a:t>
-            </a:r>
-          </a:p>
-          <a:p>
-            <a:pPr lvl="1"/>
-            <a:r>
-              <a:rPr lang="en-GB" dirty="0" smtClean="0"/>
-              <a:t>And, incidentally, is what is used internally by Parallel.*</a:t>
-            </a:r>
-            <a:endParaRPr lang="en-GB" dirty="0"/>
+              <a:t>The Task class forms the basis for, you guessed it, Task </a:t>
+            </a:r>
+            <a:r>
+              <a:rPr lang="en-GB" dirty="0" smtClean="0"/>
+              <a:t>parallelism</a:t>
+            </a:r>
+            <a:endParaRPr lang="en-GB" dirty="0" smtClean="0"/>
           </a:p>
         </p:txBody>
       </p:sp>
@@ -7681,15 +7671,9 @@
             <a:pPr lvl="1"/>
             <a:r>
               <a:rPr lang="en-GB" dirty="0" err="1" smtClean="0"/>
-              <a:t>PLinq</a:t>
+              <a:t>Plinq</a:t>
             </a:r>
             <a:endParaRPr lang="en-GB" dirty="0" smtClean="0"/>
-          </a:p>
-          <a:p>
-            <a:r>
-              <a:rPr lang="en-GB" dirty="0" smtClean="0"/>
-              <a:t>Other .Net 4 concurrency features</a:t>
-            </a:r>
           </a:p>
           <a:p>
             <a:pPr lvl="1"/>
@@ -7788,11 +7772,7 @@
             </a:r>
             <a:r>
               <a:rPr lang="en-US" sz="1600" dirty="0" err="1" smtClean="0"/>
-              <a:t>github.com/srstrong</a:t>
-            </a:r>
-            <a:r>
-              <a:rPr lang="en-US" sz="1600" dirty="0" err="1" smtClean="0"/>
-              <a:t>/NDC</a:t>
+              <a:t>github.com/srstrong/NDC</a:t>
             </a:r>
             <a:r>
               <a:rPr lang="en-US" sz="1600" dirty="0" smtClean="0"/>
@@ -7910,6 +7890,73 @@
       </p:par>
     </p:tnLst>
   </p:timing>
+</p:sld>
+</file>
+
+<file path=ppt/slides/slide31.xml><?xml version="1.0" encoding="utf-8"?>
+<p:sld xmlns:a="http://schemas.openxmlformats.org/drawingml/2006/main" xmlns:r="http://schemas.openxmlformats.org/officeDocument/2006/relationships" xmlns:mc="http://schemas.openxmlformats.org/markup-compatibility/2006" xmlns:mv="urn:schemas-microsoft-com:mac:vml" xmlns:p="http://schemas.openxmlformats.org/presentationml/2006/main" mc:Ignorable="mv" mc:PreserveAttributes="mv:*">
+  <p:cSld>
+    <p:spTree>
+      <p:nvGrpSpPr>
+        <p:cNvPr id="1" name=""/>
+        <p:cNvGrpSpPr/>
+        <p:nvPr/>
+      </p:nvGrpSpPr>
+      <p:grpSpPr>
+        <a:xfrm>
+          <a:off x="0" y="0"/>
+          <a:ext cx="0" cy="0"/>
+          <a:chOff x="0" y="0"/>
+          <a:chExt cx="0" cy="0"/>
+        </a:xfrm>
+      </p:grpSpPr>
+      <p:sp>
+        <p:nvSpPr>
+          <p:cNvPr id="2" name="Title 1"/>
+          <p:cNvSpPr>
+            <a:spLocks noGrp="1"/>
+          </p:cNvSpPr>
+          <p:nvPr>
+            <p:ph type="title"/>
+          </p:nvPr>
+        </p:nvSpPr>
+        <p:spPr/>
+        <p:txBody>
+          <a:bodyPr/>
+          <a:lstStyle/>
+          <a:p>
+            <a:r>
+              <a:rPr lang="en-GB" dirty="0" smtClean="0"/>
+              <a:t>Don’t forget the feedback cards!</a:t>
+            </a:r>
+            <a:endParaRPr lang="en-GB" dirty="0"/>
+          </a:p>
+        </p:txBody>
+      </p:sp>
+      <p:sp>
+        <p:nvSpPr>
+          <p:cNvPr id="3" name="Content Placeholder 2"/>
+          <p:cNvSpPr>
+            <a:spLocks noGrp="1"/>
+          </p:cNvSpPr>
+          <p:nvPr>
+            <p:ph idx="1"/>
+          </p:nvPr>
+        </p:nvSpPr>
+        <p:spPr/>
+        <p:txBody>
+          <a:bodyPr/>
+          <a:lstStyle/>
+          <a:p>
+            <a:endParaRPr lang="en-GB"/>
+          </a:p>
+        </p:txBody>
+      </p:sp>
+    </p:spTree>
+  </p:cSld>
+  <p:clrMapOvr>
+    <a:masterClrMapping/>
+  </p:clrMapOvr>
 </p:sld>
 </file>
 
